--- a/Week_7/Day_4/MiniIV.pptx
+++ b/Week_7/Day_4/MiniIV.pptx
@@ -2549,7 +2549,7 @@
           <p:nvPr>
             <p:extLst>
               <p:ext uri="{D42A27DB-BD31-4B8C-83A1-F6EECF244321}">
-                <p14:modId xmlns:p14="http://schemas.microsoft.com/office/powerpoint/2010/main" val="3491037084"/>
+                <p14:modId xmlns:p14="http://schemas.microsoft.com/office/powerpoint/2010/main" val="1557295481"/>
               </p:ext>
             </p:extLst>
           </p:nvPr>
@@ -2662,13 +2662,13 @@
                     <a:p>
                       <a:pPr algn="ctr"/>
                       <a:r>
-                        <a:rPr lang="en-US" b="1" dirty="0"/>
-                        <a:t>0.761</a:t>
+                        <a:rPr lang="en-US" b="0" dirty="0"/>
+                        <a:t>0.794</a:t>
                       </a:r>
-                      <a:endParaRPr lang="en-CA" b="1" dirty="0"/>
+                      <a:endParaRPr lang="en-CA" b="0" dirty="0"/>
                     </a:p>
                   </a:txBody>
-                  <a:tcPr/>
+                  <a:tcPr anchor="ctr"/>
                 </a:tc>
                 <a:tc>
                   <a:txBody>
@@ -2714,13 +2714,13 @@
                     <a:p>
                       <a:pPr algn="ctr"/>
                       <a:r>
-                        <a:rPr lang="en-US" b="1" dirty="0"/>
-                        <a:t>0.839</a:t>
+                        <a:rPr lang="en-US" b="0" dirty="0"/>
+                        <a:t>0.864</a:t>
                       </a:r>
-                      <a:endParaRPr lang="en-CA" b="1" dirty="0"/>
+                      <a:endParaRPr lang="en-CA" b="0" dirty="0"/>
                     </a:p>
                   </a:txBody>
-                  <a:tcPr/>
+                  <a:tcPr anchor="ctr"/>
                 </a:tc>
                 <a:tc>
                   <a:txBody>
@@ -2977,7 +2977,7 @@
           <p:nvPr>
             <p:extLst>
               <p:ext uri="{D42A27DB-BD31-4B8C-83A1-F6EECF244321}">
-                <p14:modId xmlns:p14="http://schemas.microsoft.com/office/powerpoint/2010/main" val="3339269425"/>
+                <p14:modId xmlns:p14="http://schemas.microsoft.com/office/powerpoint/2010/main" val="2915218948"/>
               </p:ext>
             </p:extLst>
           </p:nvPr>
@@ -3112,13 +3112,13 @@
                     <a:p>
                       <a:pPr algn="ctr"/>
                       <a:r>
-                        <a:rPr lang="en-US" b="1" dirty="0"/>
-                        <a:t>0.761</a:t>
+                        <a:rPr lang="en-US" b="0" dirty="0"/>
+                        <a:t>0.794</a:t>
                       </a:r>
-                      <a:endParaRPr lang="en-CA" b="1" dirty="0"/>
+                      <a:endParaRPr lang="en-CA" b="0" dirty="0"/>
                     </a:p>
                   </a:txBody>
-                  <a:tcPr/>
+                  <a:tcPr anchor="ctr"/>
                 </a:tc>
                 <a:tc>
                   <a:txBody>
@@ -3127,10 +3127,10 @@
                     <a:p>
                       <a:pPr algn="ctr"/>
                       <a:r>
-                        <a:rPr lang="en-US" b="1" dirty="0"/>
+                        <a:rPr lang="en-US" b="0" dirty="0"/>
                         <a:t>0.767</a:t>
                       </a:r>
-                      <a:endParaRPr lang="en-CA" b="1" dirty="0"/>
+                      <a:endParaRPr lang="en-CA" b="0" dirty="0"/>
                     </a:p>
                   </a:txBody>
                   <a:tcPr/>
@@ -3179,13 +3179,13 @@
                     <a:p>
                       <a:pPr algn="ctr"/>
                       <a:r>
-                        <a:rPr lang="en-US" b="1" dirty="0"/>
-                        <a:t>0.839</a:t>
+                        <a:rPr lang="en-US" b="0" dirty="0"/>
+                        <a:t>0.864</a:t>
                       </a:r>
-                      <a:endParaRPr lang="en-CA" b="1" dirty="0"/>
+                      <a:endParaRPr lang="en-CA" b="0" dirty="0"/>
                     </a:p>
                   </a:txBody>
-                  <a:tcPr/>
+                  <a:tcPr anchor="ctr"/>
                 </a:tc>
                 <a:tc>
                   <a:txBody>
@@ -3194,10 +3194,10 @@
                     <a:p>
                       <a:pPr algn="ctr"/>
                       <a:r>
-                        <a:rPr lang="en-US" b="1" dirty="0"/>
+                        <a:rPr lang="en-US" b="0" dirty="0"/>
                         <a:t>0.842</a:t>
                       </a:r>
-                      <a:endParaRPr lang="en-CA" b="1" dirty="0"/>
+                      <a:endParaRPr lang="en-CA" b="0" dirty="0"/>
                     </a:p>
                   </a:txBody>
                   <a:tcPr/>
@@ -3798,6 +3798,41 @@
           </a:ln>
         </p:spPr>
       </p:pic>
+      <p:pic>
+        <p:nvPicPr>
+          <p:cNvPr id="5" name="Picture 4">
+            <a:extLst>
+              <a:ext uri="{FF2B5EF4-FFF2-40B4-BE49-F238E27FC236}">
+                <a16:creationId xmlns:a16="http://schemas.microsoft.com/office/drawing/2014/main" id="{63B69D75-EE71-405A-80E4-893246E213B5}"/>
+              </a:ext>
+            </a:extLst>
+          </p:cNvPr>
+          <p:cNvPicPr>
+            <a:picLocks noChangeAspect="1"/>
+          </p:cNvPicPr>
+          <p:nvPr/>
+        </p:nvPicPr>
+        <p:blipFill>
+          <a:blip r:embed="rId4"/>
+          <a:stretch>
+            <a:fillRect/>
+          </a:stretch>
+        </p:blipFill>
+        <p:spPr>
+          <a:xfrm>
+            <a:off x="7964805" y="3581124"/>
+            <a:ext cx="3648075" cy="3209925"/>
+          </a:xfrm>
+          <a:prstGeom prst="rect">
+            <a:avLst/>
+          </a:prstGeom>
+          <a:ln>
+            <a:solidFill>
+              <a:schemeClr val="tx1"/>
+            </a:solidFill>
+          </a:ln>
+        </p:spPr>
+      </p:pic>
     </p:spTree>
     <p:extLst>
       <p:ext uri="{BB962C8B-B14F-4D97-AF65-F5344CB8AC3E}">
@@ -3939,40 +3974,6 @@
           </a:p>
         </p:txBody>
       </p:sp>
-      <p:pic>
-        <p:nvPicPr>
-          <p:cNvPr id="24" name="Picture 23">
-            <a:extLst>
-              <a:ext uri="{FF2B5EF4-FFF2-40B4-BE49-F238E27FC236}">
-                <a16:creationId xmlns:a16="http://schemas.microsoft.com/office/drawing/2014/main" id="{EDB6B0EB-E609-4BB6-AAA1-5CF55668419A}"/>
-              </a:ext>
-            </a:extLst>
-          </p:cNvPr>
-          <p:cNvPicPr>
-            <a:picLocks noChangeAspect="1"/>
-          </p:cNvPicPr>
-          <p:nvPr/>
-        </p:nvPicPr>
-        <p:blipFill rotWithShape="1">
-          <a:blip r:embed="rId2"/>
-          <a:srcRect l="1192" b="1751"/>
-          <a:stretch/>
-        </p:blipFill>
-        <p:spPr>
-          <a:xfrm>
-            <a:off x="7659718" y="3488720"/>
-            <a:ext cx="3953162" cy="3369280"/>
-          </a:xfrm>
-          <a:prstGeom prst="rect">
-            <a:avLst/>
-          </a:prstGeom>
-          <a:ln>
-            <a:solidFill>
-              <a:schemeClr val="tx1"/>
-            </a:solidFill>
-          </a:ln>
-        </p:spPr>
-      </p:pic>
       <p:graphicFrame>
         <p:nvGraphicFramePr>
           <p:cNvPr id="29" name="Table 30">
@@ -3988,7 +3989,7 @@
           <p:nvPr>
             <p:extLst>
               <p:ext uri="{D42A27DB-BD31-4B8C-83A1-F6EECF244321}">
-                <p14:modId xmlns:p14="http://schemas.microsoft.com/office/powerpoint/2010/main" val="3901433877"/>
+                <p14:modId xmlns:p14="http://schemas.microsoft.com/office/powerpoint/2010/main" val="196855448"/>
               </p:ext>
             </p:extLst>
           </p:nvPr>
@@ -4076,7 +4077,7 @@
                       <a:pPr algn="ctr"/>
                       <a:r>
                         <a:rPr lang="en-US" b="1" dirty="0"/>
-                        <a:t>0.750</a:t>
+                        <a:t>0.761</a:t>
                       </a:r>
                       <a:endParaRPr lang="en-CA" b="1" dirty="0"/>
                     </a:p>
@@ -4113,7 +4114,7 @@
                       <a:pPr algn="ctr"/>
                       <a:r>
                         <a:rPr lang="en-US" b="1" dirty="0"/>
-                        <a:t>0.831</a:t>
+                        <a:t>0.839</a:t>
                       </a:r>
                       <a:endParaRPr lang="en-CA" b="1" dirty="0"/>
                     </a:p>
@@ -4130,6 +4131,40 @@
           </a:graphicData>
         </a:graphic>
       </p:graphicFrame>
+      <p:pic>
+        <p:nvPicPr>
+          <p:cNvPr id="8" name="Picture 7">
+            <a:extLst>
+              <a:ext uri="{FF2B5EF4-FFF2-40B4-BE49-F238E27FC236}">
+                <a16:creationId xmlns:a16="http://schemas.microsoft.com/office/drawing/2014/main" id="{9FD3F18C-8211-4180-BC62-770871CD3A45}"/>
+              </a:ext>
+            </a:extLst>
+          </p:cNvPr>
+          <p:cNvPicPr>
+            <a:picLocks/>
+          </p:cNvPicPr>
+          <p:nvPr/>
+        </p:nvPicPr>
+        <p:blipFill rotWithShape="1">
+          <a:blip r:embed="rId2"/>
+          <a:srcRect l="1903" b="1586"/>
+          <a:stretch/>
+        </p:blipFill>
+        <p:spPr>
+          <a:xfrm>
+            <a:off x="7666184" y="3429000"/>
+            <a:ext cx="3950208" cy="3374136"/>
+          </a:xfrm>
+          <a:prstGeom prst="rect">
+            <a:avLst/>
+          </a:prstGeom>
+          <a:ln>
+            <a:solidFill>
+              <a:schemeClr val="tx1"/>
+            </a:solidFill>
+          </a:ln>
+        </p:spPr>
+      </p:pic>
     </p:spTree>
     <p:extLst>
       <p:ext uri="{BB962C8B-B14F-4D97-AF65-F5344CB8AC3E}">
@@ -4331,27 +4366,27 @@
       </p:sp>
       <p:pic>
         <p:nvPicPr>
-          <p:cNvPr id="5" name="Picture 4">
+          <p:cNvPr id="7" name="Picture 6">
             <a:extLst>
               <a:ext uri="{FF2B5EF4-FFF2-40B4-BE49-F238E27FC236}">
-                <a16:creationId xmlns:a16="http://schemas.microsoft.com/office/drawing/2014/main" id="{E0A16064-DD26-4544-981A-0FC7F2F38BFC}"/>
+                <a16:creationId xmlns:a16="http://schemas.microsoft.com/office/drawing/2014/main" id="{BAC97FF8-2F1F-456E-B5A1-7F7FA0C8CAC3}"/>
               </a:ext>
             </a:extLst>
           </p:cNvPr>
           <p:cNvPicPr>
-            <a:picLocks noChangeAspect="1"/>
+            <a:picLocks/>
           </p:cNvPicPr>
           <p:nvPr/>
         </p:nvPicPr>
         <p:blipFill rotWithShape="1">
           <a:blip r:embed="rId2"/>
-          <a:srcRect l="1192" b="1751"/>
+          <a:srcRect l="1903" b="1586"/>
           <a:stretch/>
         </p:blipFill>
         <p:spPr>
           <a:xfrm>
-            <a:off x="7659718" y="3488720"/>
-            <a:ext cx="3953162" cy="3369280"/>
+            <a:off x="7662672" y="3429000"/>
+            <a:ext cx="3950208" cy="3374136"/>
           </a:xfrm>
           <a:prstGeom prst="rect">
             <a:avLst/>
@@ -5043,7 +5078,7 @@
             </a:r>
             <a:r>
               <a:rPr lang="en-US" dirty="0"/>
-              <a:t> = 5) on cat. variables</a:t>
+              <a:t> = 3) on cat. variables</a:t>
             </a:r>
           </a:p>
           <a:p>
@@ -5100,7 +5135,7 @@
             </a:r>
             <a:r>
               <a:rPr lang="en-US" dirty="0"/>
-              <a:t>(k = 4) </a:t>
+              <a:t>(k = 3) </a:t>
             </a:r>
             <a:br>
               <a:rPr lang="en-US" dirty="0"/>
@@ -5267,7 +5302,7 @@
           <p:nvPr>
             <p:extLst>
               <p:ext uri="{D42A27DB-BD31-4B8C-83A1-F6EECF244321}">
-                <p14:modId xmlns:p14="http://schemas.microsoft.com/office/powerpoint/2010/main" val="2827422540"/>
+                <p14:modId xmlns:p14="http://schemas.microsoft.com/office/powerpoint/2010/main" val="3966619816"/>
               </p:ext>
             </p:extLst>
           </p:nvPr>
@@ -5381,7 +5416,7 @@
                       <a:pPr algn="ctr"/>
                       <a:r>
                         <a:rPr lang="en-US" dirty="0"/>
-                        <a:t>0.750</a:t>
+                        <a:t>0.761</a:t>
                       </a:r>
                       <a:endParaRPr lang="en-CA" dirty="0"/>
                     </a:p>
@@ -5396,7 +5431,7 @@
                       <a:pPr algn="ctr"/>
                       <a:r>
                         <a:rPr lang="en-US" b="1" dirty="0"/>
-                        <a:t>0.761</a:t>
+                        <a:t>0.794</a:t>
                       </a:r>
                       <a:endParaRPr lang="en-CA" b="1" dirty="0"/>
                     </a:p>
@@ -5433,7 +5468,7 @@
                       <a:pPr algn="ctr"/>
                       <a:r>
                         <a:rPr lang="en-US" dirty="0"/>
-                        <a:t>0.831</a:t>
+                        <a:t>0.839</a:t>
                       </a:r>
                       <a:endParaRPr lang="en-CA" dirty="0"/>
                     </a:p>
@@ -5448,7 +5483,7 @@
                       <a:pPr algn="ctr"/>
                       <a:r>
                         <a:rPr lang="en-US" b="1" dirty="0"/>
-                        <a:t>0.839</a:t>
+                        <a:t>0.864</a:t>
                       </a:r>
                       <a:endParaRPr lang="en-CA" b="1" dirty="0"/>
                     </a:p>
@@ -5467,27 +5502,27 @@
       </p:graphicFrame>
       <p:pic>
         <p:nvPicPr>
-          <p:cNvPr id="5" name="Picture 4">
+          <p:cNvPr id="7" name="Picture 6">
             <a:extLst>
               <a:ext uri="{FF2B5EF4-FFF2-40B4-BE49-F238E27FC236}">
-                <a16:creationId xmlns:a16="http://schemas.microsoft.com/office/drawing/2014/main" id="{E2B4796D-6F97-4D6D-81FC-3C00915D9EAF}"/>
+                <a16:creationId xmlns:a16="http://schemas.microsoft.com/office/drawing/2014/main" id="{D28C8217-20F2-43C4-B40B-E10B8C6E1C85}"/>
               </a:ext>
             </a:extLst>
           </p:cNvPr>
           <p:cNvPicPr>
-            <a:picLocks/>
+            <a:picLocks noChangeAspect="1"/>
           </p:cNvPicPr>
           <p:nvPr/>
         </p:nvPicPr>
         <p:blipFill rotWithShape="1">
           <a:blip r:embed="rId2"/>
-          <a:srcRect l="1903" b="1586"/>
+          <a:srcRect l="1192" b="1751"/>
           <a:stretch/>
         </p:blipFill>
         <p:spPr>
           <a:xfrm>
-            <a:off x="8241792" y="3483864"/>
-            <a:ext cx="3950208" cy="3374136"/>
+            <a:off x="7892628" y="3488720"/>
+            <a:ext cx="3953162" cy="3369280"/>
           </a:xfrm>
           <a:prstGeom prst="rect">
             <a:avLst/>
@@ -5701,7 +5736,7 @@
           <p:nvPr>
             <p:extLst>
               <p:ext uri="{D42A27DB-BD31-4B8C-83A1-F6EECF244321}">
-                <p14:modId xmlns:p14="http://schemas.microsoft.com/office/powerpoint/2010/main" val="2909618334"/>
+                <p14:modId xmlns:p14="http://schemas.microsoft.com/office/powerpoint/2010/main" val="1989841243"/>
               </p:ext>
             </p:extLst>
           </p:nvPr>
@@ -5857,7 +5892,7 @@
                       <a:pPr algn="ctr"/>
                       <a:r>
                         <a:rPr lang="en-US" dirty="0"/>
-                        <a:t>0.750</a:t>
+                        <a:t>0.761</a:t>
                       </a:r>
                       <a:endParaRPr lang="en-CA" dirty="0"/>
                     </a:p>
@@ -5872,7 +5907,7 @@
                       <a:pPr algn="ctr"/>
                       <a:r>
                         <a:rPr lang="en-US" b="0" dirty="0"/>
-                        <a:t>0.761</a:t>
+                        <a:t>0.794</a:t>
                       </a:r>
                       <a:endParaRPr lang="en-CA" b="0" dirty="0"/>
                     </a:p>
@@ -5924,7 +5959,7 @@
                       <a:pPr algn="ctr"/>
                       <a:r>
                         <a:rPr lang="en-US" dirty="0"/>
-                        <a:t>0.831</a:t>
+                        <a:t>0.839</a:t>
                       </a:r>
                       <a:endParaRPr lang="en-CA" dirty="0"/>
                     </a:p>
@@ -5939,7 +5974,7 @@
                       <a:pPr algn="ctr"/>
                       <a:r>
                         <a:rPr lang="en-US" b="0" dirty="0"/>
-                        <a:t>0.839</a:t>
+                        <a:t>0.864</a:t>
                       </a:r>
                       <a:endParaRPr lang="en-CA" b="0" dirty="0"/>
                     </a:p>
